--- a/Segmentation of Places.pptx
+++ b/Segmentation of Places.pptx
@@ -26,7 +26,8 @@
     <p:sldId id="274" r:id="rId20"/>
     <p:sldId id="275" r:id="rId21"/>
     <p:sldId id="276" r:id="rId22"/>
-    <p:sldId id="277" r:id="rId23"/>
+    <p:sldId id="278" r:id="rId23"/>
+    <p:sldId id="277" r:id="rId24"/>
   </p:sldIdLst>
   <p:sldSz cx="12192000" cy="6858000"/>
   <p:notesSz cx="6858000" cy="9144000"/>
@@ -9341,6 +9342,134 @@
             <p:ph type="title"/>
           </p:nvPr>
         </p:nvSpPr>
+        <p:spPr/>
+        <p:txBody>
+          <a:bodyPr/>
+          <a:lstStyle/>
+          <a:p>
+            <a:r>
+              <a:rPr lang="en-IN" dirty="0" smtClean="0"/>
+              <a:t>Summary</a:t>
+            </a:r>
+            <a:endParaRPr lang="en-IN" dirty="0"/>
+          </a:p>
+        </p:txBody>
+      </p:sp>
+      <p:sp>
+        <p:nvSpPr>
+          <p:cNvPr id="3" name="Content Placeholder 2"/>
+          <p:cNvSpPr>
+            <a:spLocks noGrp="1"/>
+          </p:cNvSpPr>
+          <p:nvPr>
+            <p:ph idx="1"/>
+          </p:nvPr>
+        </p:nvSpPr>
+        <p:spPr/>
+        <p:txBody>
+          <a:bodyPr/>
+          <a:lstStyle/>
+          <a:p>
+            <a:r>
+              <a:rPr lang="en-IN" dirty="0" smtClean="0"/>
+              <a:t>So after doing some basic exploratory data analysis and Feature Engineering along with Feature Selection then finally clustering we were able to segment places and provide insights</a:t>
+            </a:r>
+          </a:p>
+          <a:p>
+            <a:r>
+              <a:rPr lang="en-IN" dirty="0" smtClean="0"/>
+              <a:t>This project can help various people if they intent to </a:t>
+            </a:r>
+          </a:p>
+          <a:p>
+            <a:pPr>
+              <a:buFont typeface="+mj-lt"/>
+              <a:buAutoNum type="arabicPeriod"/>
+            </a:pPr>
+            <a:r>
+              <a:rPr lang="en-IN" dirty="0" smtClean="0"/>
+              <a:t>Start a new business and want to get some idea</a:t>
+            </a:r>
+          </a:p>
+          <a:p>
+            <a:pPr>
+              <a:buFont typeface="+mj-lt"/>
+              <a:buAutoNum type="arabicPeriod"/>
+            </a:pPr>
+            <a:r>
+              <a:rPr lang="en-IN" dirty="0" smtClean="0"/>
+              <a:t>An established business trying to find out their competition</a:t>
+            </a:r>
+          </a:p>
+          <a:p>
+            <a:pPr>
+              <a:buFont typeface="+mj-lt"/>
+              <a:buAutoNum type="arabicPeriod"/>
+            </a:pPr>
+            <a:r>
+              <a:rPr lang="en-IN" dirty="0" smtClean="0"/>
+              <a:t>Probability of success of business</a:t>
+            </a:r>
+          </a:p>
+          <a:p>
+            <a:pPr>
+              <a:buFont typeface="+mj-lt"/>
+              <a:buAutoNum type="arabicPeriod"/>
+            </a:pPr>
+            <a:r>
+              <a:rPr lang="en-IN" dirty="0" smtClean="0"/>
+              <a:t>Missing business in the locality </a:t>
+            </a:r>
+          </a:p>
+          <a:p>
+            <a:pPr>
+              <a:buFont typeface="+mj-lt"/>
+              <a:buAutoNum type="arabicPeriod"/>
+            </a:pPr>
+            <a:endParaRPr lang="en-IN" dirty="0"/>
+          </a:p>
+        </p:txBody>
+      </p:sp>
+    </p:spTree>
+    <p:extLst>
+      <p:ext uri="{BB962C8B-B14F-4D97-AF65-F5344CB8AC3E}">
+        <p14:creationId xmlns:p14="http://schemas.microsoft.com/office/powerpoint/2010/main" val="3955955478"/>
+      </p:ext>
+    </p:extLst>
+  </p:cSld>
+  <p:clrMapOvr>
+    <a:masterClrMapping/>
+  </p:clrMapOvr>
+</p:sld>
+</file>
+
+<file path=ppt/slides/slide23.xml><?xml version="1.0" encoding="utf-8"?>
+<p:sld xmlns:a="http://schemas.openxmlformats.org/drawingml/2006/main" xmlns:r="http://schemas.openxmlformats.org/officeDocument/2006/relationships" xmlns:p="http://schemas.openxmlformats.org/presentationml/2006/main">
+  <p:cSld>
+    <p:spTree>
+      <p:nvGrpSpPr>
+        <p:cNvPr id="1" name=""/>
+        <p:cNvGrpSpPr/>
+        <p:nvPr/>
+      </p:nvGrpSpPr>
+      <p:grpSpPr>
+        <a:xfrm>
+          <a:off x="0" y="0"/>
+          <a:ext cx="0" cy="0"/>
+          <a:chOff x="0" y="0"/>
+          <a:chExt cx="0" cy="0"/>
+        </a:xfrm>
+      </p:grpSpPr>
+      <p:sp>
+        <p:nvSpPr>
+          <p:cNvPr id="2" name="Title 1"/>
+          <p:cNvSpPr>
+            <a:spLocks noGrp="1"/>
+          </p:cNvSpPr>
+          <p:nvPr>
+            <p:ph type="title"/>
+          </p:nvPr>
+        </p:nvSpPr>
         <p:spPr>
           <a:xfrm>
             <a:off x="2013375" y="2671851"/>

--- a/Segmentation of Places.pptx
+++ b/Segmentation of Places.pptx
@@ -6,28 +6,29 @@
   </p:sldMasterIdLst>
   <p:sldIdLst>
     <p:sldId id="256" r:id="rId2"/>
-    <p:sldId id="257" r:id="rId3"/>
-    <p:sldId id="258" r:id="rId4"/>
-    <p:sldId id="259" r:id="rId5"/>
-    <p:sldId id="260" r:id="rId6"/>
-    <p:sldId id="261" r:id="rId7"/>
-    <p:sldId id="263" r:id="rId8"/>
-    <p:sldId id="262" r:id="rId9"/>
-    <p:sldId id="264" r:id="rId10"/>
-    <p:sldId id="265" r:id="rId11"/>
-    <p:sldId id="266" r:id="rId12"/>
-    <p:sldId id="267" r:id="rId13"/>
-    <p:sldId id="268" r:id="rId14"/>
-    <p:sldId id="269" r:id="rId15"/>
-    <p:sldId id="270" r:id="rId16"/>
-    <p:sldId id="271" r:id="rId17"/>
-    <p:sldId id="272" r:id="rId18"/>
-    <p:sldId id="273" r:id="rId19"/>
-    <p:sldId id="274" r:id="rId20"/>
-    <p:sldId id="275" r:id="rId21"/>
-    <p:sldId id="276" r:id="rId22"/>
-    <p:sldId id="278" r:id="rId23"/>
-    <p:sldId id="277" r:id="rId24"/>
+    <p:sldId id="279" r:id="rId3"/>
+    <p:sldId id="257" r:id="rId4"/>
+    <p:sldId id="258" r:id="rId5"/>
+    <p:sldId id="259" r:id="rId6"/>
+    <p:sldId id="260" r:id="rId7"/>
+    <p:sldId id="261" r:id="rId8"/>
+    <p:sldId id="263" r:id="rId9"/>
+    <p:sldId id="262" r:id="rId10"/>
+    <p:sldId id="264" r:id="rId11"/>
+    <p:sldId id="265" r:id="rId12"/>
+    <p:sldId id="266" r:id="rId13"/>
+    <p:sldId id="267" r:id="rId14"/>
+    <p:sldId id="268" r:id="rId15"/>
+    <p:sldId id="269" r:id="rId16"/>
+    <p:sldId id="270" r:id="rId17"/>
+    <p:sldId id="271" r:id="rId18"/>
+    <p:sldId id="272" r:id="rId19"/>
+    <p:sldId id="273" r:id="rId20"/>
+    <p:sldId id="274" r:id="rId21"/>
+    <p:sldId id="275" r:id="rId22"/>
+    <p:sldId id="276" r:id="rId23"/>
+    <p:sldId id="278" r:id="rId24"/>
+    <p:sldId id="277" r:id="rId25"/>
   </p:sldIdLst>
   <p:sldSz cx="12192000" cy="6858000"/>
   <p:notesSz cx="6858000" cy="9144000"/>
@@ -126,6 +127,11 @@
       </a:defRPr>
     </a:lvl9pPr>
   </p:defaultTextStyle>
+  <p:extLst>
+    <p:ext uri="{EFAFB233-063F-42B5-8137-9DF3F51BA10A}">
+      <p15:sldGuideLst xmlns:p15="http://schemas.microsoft.com/office/powerpoint/2012/main"/>
+    </p:ext>
+  </p:extLst>
 </p:presentation>
 </file>
 
@@ -318,7 +324,7 @@
             <a:fld id="{B61BEF0D-F0BB-DE4B-95CE-6DB70DBA9567}" type="datetimeFigureOut">
               <a:rPr lang="en-US" dirty="0"/>
               <a:pPr/>
-              <a:t>11/1/2022</a:t>
+              <a:t>11/7/2022</a:t>
             </a:fld>
             <a:endParaRPr lang="en-US" dirty="0"/>
           </a:p>
@@ -653,7 +659,7 @@
             <a:fld id="{B61BEF0D-F0BB-DE4B-95CE-6DB70DBA9567}" type="datetimeFigureOut">
               <a:rPr lang="en-US" dirty="0"/>
               <a:pPr/>
-              <a:t>11/1/2022</a:t>
+              <a:t>11/7/2022</a:t>
             </a:fld>
             <a:endParaRPr lang="en-US" dirty="0"/>
           </a:p>
@@ -1051,7 +1057,7 @@
             <a:fld id="{B61BEF0D-F0BB-DE4B-95CE-6DB70DBA9567}" type="datetimeFigureOut">
               <a:rPr lang="en-US" dirty="0"/>
               <a:pPr/>
-              <a:t>11/1/2022</a:t>
+              <a:t>11/7/2022</a:t>
             </a:fld>
             <a:endParaRPr lang="en-US" dirty="0"/>
           </a:p>
@@ -1384,7 +1390,7 @@
             <a:fld id="{B61BEF0D-F0BB-DE4B-95CE-6DB70DBA9567}" type="datetimeFigureOut">
               <a:rPr lang="en-US" dirty="0"/>
               <a:pPr/>
-              <a:t>11/1/2022</a:t>
+              <a:t>11/7/2022</a:t>
             </a:fld>
             <a:endParaRPr lang="en-US" dirty="0"/>
           </a:p>
@@ -1701,7 +1707,7 @@
             <a:fld id="{B61BEF0D-F0BB-DE4B-95CE-6DB70DBA9567}" type="datetimeFigureOut">
               <a:rPr lang="en-US" dirty="0"/>
               <a:pPr/>
-              <a:t>11/1/2022</a:t>
+              <a:t>11/7/2022</a:t>
             </a:fld>
             <a:endParaRPr lang="en-US" dirty="0"/>
           </a:p>
@@ -2094,7 +2100,7 @@
             <a:fld id="{B61BEF0D-F0BB-DE4B-95CE-6DB70DBA9567}" type="datetimeFigureOut">
               <a:rPr lang="en-US" dirty="0"/>
               <a:pPr/>
-              <a:t>11/1/2022</a:t>
+              <a:t>11/7/2022</a:t>
             </a:fld>
             <a:endParaRPr lang="en-US" dirty="0"/>
           </a:p>
@@ -2348,7 +2354,7 @@
             <a:fld id="{B61BEF0D-F0BB-DE4B-95CE-6DB70DBA9567}" type="datetimeFigureOut">
               <a:rPr lang="en-US" dirty="0"/>
               <a:pPr/>
-              <a:t>11/1/2022</a:t>
+              <a:t>11/7/2022</a:t>
             </a:fld>
             <a:endParaRPr lang="en-US" dirty="0"/>
           </a:p>
@@ -2607,7 +2613,7 @@
             <a:fld id="{B61BEF0D-F0BB-DE4B-95CE-6DB70DBA9567}" type="datetimeFigureOut">
               <a:rPr lang="en-US" dirty="0"/>
               <a:pPr/>
-              <a:t>11/1/2022</a:t>
+              <a:t>11/7/2022</a:t>
             </a:fld>
             <a:endParaRPr lang="en-US" dirty="0"/>
           </a:p>
@@ -2866,7 +2872,7 @@
             <a:fld id="{B61BEF0D-F0BB-DE4B-95CE-6DB70DBA9567}" type="datetimeFigureOut">
               <a:rPr lang="en-US" dirty="0"/>
               <a:pPr/>
-              <a:t>11/1/2022</a:t>
+              <a:t>11/7/2022</a:t>
             </a:fld>
             <a:endParaRPr lang="en-US" dirty="0"/>
           </a:p>
@@ -3192,7 +3198,7 @@
             <a:fld id="{B61BEF0D-F0BB-DE4B-95CE-6DB70DBA9567}" type="datetimeFigureOut">
               <a:rPr lang="en-US" dirty="0"/>
               <a:pPr/>
-              <a:t>11/1/2022</a:t>
+              <a:t>11/7/2022</a:t>
             </a:fld>
             <a:endParaRPr lang="en-US" dirty="0"/>
           </a:p>
@@ -3512,7 +3518,7 @@
             <a:fld id="{B61BEF0D-F0BB-DE4B-95CE-6DB70DBA9567}" type="datetimeFigureOut">
               <a:rPr lang="en-US" dirty="0"/>
               <a:pPr/>
-              <a:t>11/1/2022</a:t>
+              <a:t>11/7/2022</a:t>
             </a:fld>
             <a:endParaRPr lang="en-US" dirty="0"/>
           </a:p>
@@ -3966,7 +3972,7 @@
             <a:fld id="{B61BEF0D-F0BB-DE4B-95CE-6DB70DBA9567}" type="datetimeFigureOut">
               <a:rPr lang="en-US" dirty="0"/>
               <a:pPr/>
-              <a:t>11/1/2022</a:t>
+              <a:t>11/7/2022</a:t>
             </a:fld>
             <a:endParaRPr lang="en-US" dirty="0"/>
           </a:p>
@@ -4168,7 +4174,7 @@
             <a:fld id="{B61BEF0D-F0BB-DE4B-95CE-6DB70DBA9567}" type="datetimeFigureOut">
               <a:rPr lang="en-US" dirty="0"/>
               <a:pPr/>
-              <a:t>11/1/2022</a:t>
+              <a:t>11/7/2022</a:t>
             </a:fld>
             <a:endParaRPr lang="en-US" dirty="0"/>
           </a:p>
@@ -4342,7 +4348,7 @@
             <a:fld id="{B61BEF0D-F0BB-DE4B-95CE-6DB70DBA9567}" type="datetimeFigureOut">
               <a:rPr lang="en-US" dirty="0"/>
               <a:pPr/>
-              <a:t>11/1/2022</a:t>
+              <a:t>11/7/2022</a:t>
             </a:fld>
             <a:endParaRPr lang="en-US" dirty="0"/>
           </a:p>
@@ -4672,7 +4678,7 @@
             <a:fld id="{B61BEF0D-F0BB-DE4B-95CE-6DB70DBA9567}" type="datetimeFigureOut">
               <a:rPr lang="en-US" dirty="0"/>
               <a:pPr/>
-              <a:t>11/1/2022</a:t>
+              <a:t>11/7/2022</a:t>
             </a:fld>
             <a:endParaRPr lang="en-US" dirty="0"/>
           </a:p>
@@ -5014,7 +5020,7 @@
             <a:fld id="{B61BEF0D-F0BB-DE4B-95CE-6DB70DBA9567}" type="datetimeFigureOut">
               <a:rPr lang="en-US" dirty="0"/>
               <a:pPr/>
-              <a:t>11/1/2022</a:t>
+              <a:t>11/7/2022</a:t>
             </a:fld>
             <a:endParaRPr lang="en-US" dirty="0"/>
           </a:p>
@@ -7128,7 +7134,7 @@
             <a:fld id="{B61BEF0D-F0BB-DE4B-95CE-6DB70DBA9567}" type="datetimeFigureOut">
               <a:rPr lang="en-US" dirty="0"/>
               <a:pPr/>
-              <a:t>11/1/2022</a:t>
+              <a:t>11/7/2022</a:t>
             </a:fld>
             <a:endParaRPr lang="en-US" dirty="0"/>
           </a:p>
@@ -7775,6 +7781,108 @@
             <p:ph type="title"/>
           </p:nvPr>
         </p:nvSpPr>
+        <p:spPr>
+          <a:xfrm>
+            <a:off x="2270953" y="392290"/>
+            <a:ext cx="8911687" cy="1280890"/>
+          </a:xfrm>
+        </p:spPr>
+        <p:txBody>
+          <a:bodyPr/>
+          <a:lstStyle/>
+          <a:p>
+            <a:r>
+              <a:rPr lang="en-IN" dirty="0" smtClean="0"/>
+              <a:t>Which top 5 brands represents which </a:t>
+            </a:r>
+            <a:r>
+              <a:rPr lang="en-IN" dirty="0" err="1" smtClean="0"/>
+              <a:t>poi_types</a:t>
+            </a:r>
+            <a:r>
+              <a:rPr lang="en-IN" dirty="0" smtClean="0"/>
+              <a:t>?</a:t>
+            </a:r>
+            <a:endParaRPr lang="en-IN" dirty="0"/>
+          </a:p>
+        </p:txBody>
+      </p:sp>
+      <p:pic>
+        <p:nvPicPr>
+          <p:cNvPr id="4" name="Content Placeholder 3"/>
+          <p:cNvPicPr>
+            <a:picLocks noGrp="1" noChangeAspect="1"/>
+          </p:cNvPicPr>
+          <p:nvPr>
+            <p:ph idx="1"/>
+          </p:nvPr>
+        </p:nvPicPr>
+        <p:blipFill>
+          <a:blip r:embed="rId2">
+            <a:extLst>
+              <a:ext uri="{28A0092B-C50C-407E-A947-70E740481C1C}">
+                <a14:useLocalDpi xmlns:a14="http://schemas.microsoft.com/office/drawing/2010/main" val="0"/>
+              </a:ext>
+            </a:extLst>
+          </a:blip>
+          <a:stretch>
+            <a:fillRect/>
+          </a:stretch>
+        </p:blipFill>
+        <p:spPr>
+          <a:xfrm>
+            <a:off x="2678806" y="1673225"/>
+            <a:ext cx="8332631" cy="5184775"/>
+          </a:xfrm>
+        </p:spPr>
+      </p:pic>
+    </p:spTree>
+    <p:extLst>
+      <p:ext uri="{BB962C8B-B14F-4D97-AF65-F5344CB8AC3E}">
+        <p14:creationId xmlns:p14="http://schemas.microsoft.com/office/powerpoint/2010/main" val="547897632"/>
+      </p:ext>
+    </p:extLst>
+  </p:cSld>
+  <p:clrMapOvr>
+    <a:masterClrMapping/>
+  </p:clrMapOvr>
+  <p:timing>
+    <p:tnLst>
+      <p:par>
+        <p:cTn id="1" dur="indefinite" restart="never" nodeType="tmRoot"/>
+      </p:par>
+    </p:tnLst>
+  </p:timing>
+</p:sld>
+</file>
+
+<file path=ppt/slides/slide11.xml><?xml version="1.0" encoding="utf-8"?>
+<p:sld xmlns:a="http://schemas.openxmlformats.org/drawingml/2006/main" xmlns:r="http://schemas.openxmlformats.org/officeDocument/2006/relationships" xmlns:p="http://schemas.openxmlformats.org/presentationml/2006/main">
+  <p:cSld>
+    <p:spTree>
+      <p:nvGrpSpPr>
+        <p:cNvPr id="1" name=""/>
+        <p:cNvGrpSpPr/>
+        <p:nvPr/>
+      </p:nvGrpSpPr>
+      <p:grpSpPr>
+        <a:xfrm>
+          <a:off x="0" y="0"/>
+          <a:ext cx="0" cy="0"/>
+          <a:chOff x="0" y="0"/>
+          <a:chExt cx="0" cy="0"/>
+        </a:xfrm>
+      </p:grpSpPr>
+      <p:sp>
+        <p:nvSpPr>
+          <p:cNvPr id="2" name="Title 1"/>
+          <p:cNvSpPr>
+            <a:spLocks noGrp="1"/>
+          </p:cNvSpPr>
+          <p:nvPr>
+            <p:ph type="title"/>
+          </p:nvPr>
+        </p:nvSpPr>
         <p:spPr/>
         <p:txBody>
           <a:bodyPr/>
@@ -7874,7 +7982,7 @@
 </p:sld>
 </file>
 
-<file path=ppt/slides/slide11.xml><?xml version="1.0" encoding="utf-8"?>
+<file path=ppt/slides/slide12.xml><?xml version="1.0" encoding="utf-8"?>
 <p:sld xmlns:a="http://schemas.openxmlformats.org/drawingml/2006/main" xmlns:r="http://schemas.openxmlformats.org/officeDocument/2006/relationships" xmlns:p="http://schemas.openxmlformats.org/presentationml/2006/main">
   <p:cSld>
     <p:spTree>
@@ -7968,7 +8076,7 @@
 </p:sld>
 </file>
 
-<file path=ppt/slides/slide12.xml><?xml version="1.0" encoding="utf-8"?>
+<file path=ppt/slides/slide13.xml><?xml version="1.0" encoding="utf-8"?>
 <p:sld xmlns:a="http://schemas.openxmlformats.org/drawingml/2006/main" xmlns:r="http://schemas.openxmlformats.org/officeDocument/2006/relationships" xmlns:p="http://schemas.openxmlformats.org/presentationml/2006/main">
   <p:cSld>
     <p:spTree>
@@ -8068,134 +8176,6 @@
     <p:extLst>
       <p:ext uri="{BB962C8B-B14F-4D97-AF65-F5344CB8AC3E}">
         <p14:creationId xmlns:p14="http://schemas.microsoft.com/office/powerpoint/2010/main" val="1463020056"/>
-      </p:ext>
-    </p:extLst>
-  </p:cSld>
-  <p:clrMapOvr>
-    <a:masterClrMapping/>
-  </p:clrMapOvr>
-  <p:timing>
-    <p:tnLst>
-      <p:par>
-        <p:cTn id="1" dur="indefinite" restart="never" nodeType="tmRoot"/>
-      </p:par>
-    </p:tnLst>
-  </p:timing>
-</p:sld>
-</file>
-
-<file path=ppt/slides/slide13.xml><?xml version="1.0" encoding="utf-8"?>
-<p:sld xmlns:a="http://schemas.openxmlformats.org/drawingml/2006/main" xmlns:r="http://schemas.openxmlformats.org/officeDocument/2006/relationships" xmlns:p="http://schemas.openxmlformats.org/presentationml/2006/main">
-  <p:cSld>
-    <p:spTree>
-      <p:nvGrpSpPr>
-        <p:cNvPr id="1" name=""/>
-        <p:cNvGrpSpPr/>
-        <p:nvPr/>
-      </p:nvGrpSpPr>
-      <p:grpSpPr>
-        <a:xfrm>
-          <a:off x="0" y="0"/>
-          <a:ext cx="0" cy="0"/>
-          <a:chOff x="0" y="0"/>
-          <a:chExt cx="0" cy="0"/>
-        </a:xfrm>
-      </p:grpSpPr>
-      <p:sp>
-        <p:nvSpPr>
-          <p:cNvPr id="2" name="Title 1"/>
-          <p:cNvSpPr>
-            <a:spLocks noGrp="1"/>
-          </p:cNvSpPr>
-          <p:nvPr>
-            <p:ph type="title"/>
-          </p:nvPr>
-        </p:nvSpPr>
-        <p:spPr/>
-        <p:txBody>
-          <a:bodyPr/>
-          <a:lstStyle/>
-          <a:p>
-            <a:r>
-              <a:rPr lang="en-IN" dirty="0"/>
-              <a:t>Cluster </a:t>
-            </a:r>
-            <a:r>
-              <a:rPr lang="en-IN" dirty="0" smtClean="0"/>
-              <a:t>1</a:t>
-            </a:r>
-            <a:endParaRPr lang="en-IN" dirty="0"/>
-          </a:p>
-        </p:txBody>
-      </p:sp>
-      <p:pic>
-        <p:nvPicPr>
-          <p:cNvPr id="5" name="Content Placeholder 4"/>
-          <p:cNvPicPr>
-            <a:picLocks noGrp="1" noChangeAspect="1"/>
-          </p:cNvPicPr>
-          <p:nvPr>
-            <p:ph sz="half" idx="1"/>
-          </p:nvPr>
-        </p:nvPicPr>
-        <p:blipFill>
-          <a:blip r:embed="rId2">
-            <a:extLst>
-              <a:ext uri="{28A0092B-C50C-407E-A947-70E740481C1C}">
-                <a14:useLocalDpi xmlns:a14="http://schemas.microsoft.com/office/drawing/2010/main" val="0"/>
-              </a:ext>
-            </a:extLst>
-          </a:blip>
-          <a:stretch>
-            <a:fillRect/>
-          </a:stretch>
-        </p:blipFill>
-        <p:spPr>
-          <a:xfrm>
-            <a:off x="2589213" y="2126222"/>
-            <a:ext cx="4313237" cy="3777621"/>
-          </a:xfrm>
-        </p:spPr>
-      </p:pic>
-      <p:sp>
-        <p:nvSpPr>
-          <p:cNvPr id="4" name="Content Placeholder 3"/>
-          <p:cNvSpPr>
-            <a:spLocks noGrp="1"/>
-          </p:cNvSpPr>
-          <p:nvPr>
-            <p:ph sz="half" idx="2"/>
-          </p:nvPr>
-        </p:nvSpPr>
-        <p:spPr/>
-        <p:txBody>
-          <a:bodyPr/>
-          <a:lstStyle/>
-          <a:p>
-            <a:r>
-              <a:rPr lang="en-US" dirty="0" smtClean="0"/>
-              <a:t>From </a:t>
-            </a:r>
-            <a:r>
-              <a:rPr lang="en-US" dirty="0"/>
-              <a:t>this plot we can conclude that block/locality of this cluster only contains one type of </a:t>
-            </a:r>
-            <a:r>
-              <a:rPr lang="en-US" dirty="0" err="1"/>
-              <a:t>poi_type</a:t>
-            </a:r>
-            <a:r>
-              <a:rPr lang="en-US" dirty="0"/>
-              <a:t> which is represented by 20500 in numerical format</a:t>
-            </a:r>
-            <a:endParaRPr lang="en-IN" dirty="0"/>
-          </a:p>
-        </p:txBody>
-      </p:sp>
-    </p:spTree>
-    <p:extLst>
-      <p:ext uri="{BB962C8B-B14F-4D97-AF65-F5344CB8AC3E}">
-        <p14:creationId xmlns:p14="http://schemas.microsoft.com/office/powerpoint/2010/main" val="1819810277"/>
       </p:ext>
     </p:extLst>
   </p:cSld>
@@ -8250,7 +8230,7 @@
             </a:r>
             <a:r>
               <a:rPr lang="en-IN" dirty="0" smtClean="0"/>
-              <a:t>2</a:t>
+              <a:t>1</a:t>
             </a:r>
             <a:endParaRPr lang="en-IN" dirty="0"/>
           </a:p>
@@ -8281,7 +8261,7 @@
         <p:spPr>
           <a:xfrm>
             <a:off x="2589213" y="2126222"/>
-            <a:ext cx="4313237" cy="3777622"/>
+            <a:ext cx="4313237" cy="3777621"/>
           </a:xfrm>
         </p:spPr>
       </p:pic>
@@ -8306,7 +8286,15 @@
             </a:r>
             <a:r>
               <a:rPr lang="en-US" dirty="0"/>
-              <a:t>this plot we can conclude that block/locality of this cluster are ranging from 222 to 226 so it is a small region and it only contains one type of brand which is represented by 42000 in numerical format</a:t>
+              <a:t>this plot we can conclude that block/locality of this cluster only contains one type of </a:t>
+            </a:r>
+            <a:r>
+              <a:rPr lang="en-US" dirty="0" err="1"/>
+              <a:t>poi_type</a:t>
+            </a:r>
+            <a:r>
+              <a:rPr lang="en-US" dirty="0"/>
+              <a:t> which is represented by 20500 in numerical format</a:t>
             </a:r>
             <a:endParaRPr lang="en-IN" dirty="0"/>
           </a:p>
@@ -8315,7 +8303,7 @@
     </p:spTree>
     <p:extLst>
       <p:ext uri="{BB962C8B-B14F-4D97-AF65-F5344CB8AC3E}">
-        <p14:creationId xmlns:p14="http://schemas.microsoft.com/office/powerpoint/2010/main" val="3443511361"/>
+        <p14:creationId xmlns:p14="http://schemas.microsoft.com/office/powerpoint/2010/main" val="1819810277"/>
       </p:ext>
     </p:extLst>
   </p:cSld>
@@ -8370,7 +8358,7 @@
             </a:r>
             <a:r>
               <a:rPr lang="en-IN" dirty="0" smtClean="0"/>
-              <a:t>3</a:t>
+              <a:t>2</a:t>
             </a:r>
             <a:endParaRPr lang="en-IN" dirty="0"/>
           </a:p>
@@ -8401,7 +8389,7 @@
         <p:spPr>
           <a:xfrm>
             <a:off x="2589213" y="2126222"/>
-            <a:ext cx="4313237" cy="3777621"/>
+            <a:ext cx="4313237" cy="3777622"/>
           </a:xfrm>
         </p:spPr>
       </p:pic>
@@ -8426,7 +8414,7 @@
             </a:r>
             <a:r>
               <a:rPr lang="en-US" dirty="0"/>
-              <a:t>this plot we can conclude that block/locality of this cluster only contains one type of brand which is represented by 42000 in numerical format</a:t>
+              <a:t>this plot we can conclude that block/locality of this cluster are ranging from 222 to 226 so it is a small region and it only contains one type of brand which is represented by 42000 in numerical format</a:t>
             </a:r>
             <a:endParaRPr lang="en-IN" dirty="0"/>
           </a:p>
@@ -8435,7 +8423,7 @@
     </p:spTree>
     <p:extLst>
       <p:ext uri="{BB962C8B-B14F-4D97-AF65-F5344CB8AC3E}">
-        <p14:creationId xmlns:p14="http://schemas.microsoft.com/office/powerpoint/2010/main" val="1754502468"/>
+        <p14:creationId xmlns:p14="http://schemas.microsoft.com/office/powerpoint/2010/main" val="3443511361"/>
       </p:ext>
     </p:extLst>
   </p:cSld>
@@ -8490,7 +8478,7 @@
             </a:r>
             <a:r>
               <a:rPr lang="en-IN" dirty="0" smtClean="0"/>
-              <a:t>4</a:t>
+              <a:t>3</a:t>
             </a:r>
             <a:endParaRPr lang="en-IN" dirty="0"/>
           </a:p>
@@ -8521,7 +8509,7 @@
         <p:spPr>
           <a:xfrm>
             <a:off x="2589213" y="2126222"/>
-            <a:ext cx="4313237" cy="3777622"/>
+            <a:ext cx="4313237" cy="3777621"/>
           </a:xfrm>
         </p:spPr>
       </p:pic>
@@ -8555,7 +8543,7 @@
     </p:spTree>
     <p:extLst>
       <p:ext uri="{BB962C8B-B14F-4D97-AF65-F5344CB8AC3E}">
-        <p14:creationId xmlns:p14="http://schemas.microsoft.com/office/powerpoint/2010/main" val="3885999590"/>
+        <p14:creationId xmlns:p14="http://schemas.microsoft.com/office/powerpoint/2010/main" val="1754502468"/>
       </p:ext>
     </p:extLst>
   </p:cSld>
@@ -8610,7 +8598,7 @@
             </a:r>
             <a:r>
               <a:rPr lang="en-IN" dirty="0" smtClean="0"/>
-              <a:t>5</a:t>
+              <a:t>4</a:t>
             </a:r>
             <a:endParaRPr lang="en-IN" dirty="0"/>
           </a:p>
@@ -8641,7 +8629,7 @@
         <p:spPr>
           <a:xfrm>
             <a:off x="2589213" y="2126222"/>
-            <a:ext cx="4313237" cy="3777621"/>
+            <a:ext cx="4313237" cy="3777622"/>
           </a:xfrm>
         </p:spPr>
       </p:pic>
@@ -8666,7 +8654,7 @@
             </a:r>
             <a:r>
               <a:rPr lang="en-US" dirty="0"/>
-              <a:t>this plot we can conclude that block/locality of this cluster only contains one type of brand which is represented by 42000 in numerical format and this cluster belong to only 1 city represented by 30500</a:t>
+              <a:t>this plot we can conclude that block/locality of this cluster only contains one type of brand which is represented by 42000 in numerical format</a:t>
             </a:r>
             <a:endParaRPr lang="en-IN" dirty="0"/>
           </a:p>
@@ -8675,7 +8663,7 @@
     </p:spTree>
     <p:extLst>
       <p:ext uri="{BB962C8B-B14F-4D97-AF65-F5344CB8AC3E}">
-        <p14:creationId xmlns:p14="http://schemas.microsoft.com/office/powerpoint/2010/main" val="399790879"/>
+        <p14:creationId xmlns:p14="http://schemas.microsoft.com/office/powerpoint/2010/main" val="3885999590"/>
       </p:ext>
     </p:extLst>
   </p:cSld>
@@ -8730,7 +8718,7 @@
             </a:r>
             <a:r>
               <a:rPr lang="en-IN" dirty="0" smtClean="0"/>
-              <a:t>6</a:t>
+              <a:t>5</a:t>
             </a:r>
             <a:endParaRPr lang="en-IN" dirty="0"/>
           </a:p>
@@ -8786,15 +8774,7 @@
             </a:r>
             <a:r>
               <a:rPr lang="en-US" dirty="0"/>
-              <a:t>this plot we can conclude that block/locality of this cluster which is of small size ranging from 463 to 469 only contains one type of </a:t>
-            </a:r>
-            <a:r>
-              <a:rPr lang="en-US" dirty="0" err="1"/>
-              <a:t>poi_type</a:t>
-            </a:r>
-            <a:r>
-              <a:rPr lang="en-US" dirty="0"/>
-              <a:t> which is represented by 20500 in numerical format</a:t>
+              <a:t>this plot we can conclude that block/locality of this cluster only contains one type of brand which is represented by 42000 in numerical format and this cluster belong to only 1 city represented by 30500</a:t>
             </a:r>
             <a:endParaRPr lang="en-IN" dirty="0"/>
           </a:p>
@@ -8803,7 +8783,7 @@
     </p:spTree>
     <p:extLst>
       <p:ext uri="{BB962C8B-B14F-4D97-AF65-F5344CB8AC3E}">
-        <p14:creationId xmlns:p14="http://schemas.microsoft.com/office/powerpoint/2010/main" val="1130117880"/>
+        <p14:creationId xmlns:p14="http://schemas.microsoft.com/office/powerpoint/2010/main" val="399790879"/>
       </p:ext>
     </p:extLst>
   </p:cSld>
@@ -8858,7 +8838,7 @@
             </a:r>
             <a:r>
               <a:rPr lang="en-IN" dirty="0" smtClean="0"/>
-              <a:t>7</a:t>
+              <a:t>6</a:t>
             </a:r>
             <a:endParaRPr lang="en-IN" dirty="0"/>
           </a:p>
@@ -8889,7 +8869,7 @@
         <p:spPr>
           <a:xfrm>
             <a:off x="2589213" y="2126222"/>
-            <a:ext cx="4313237" cy="3777622"/>
+            <a:ext cx="4313237" cy="3777621"/>
           </a:xfrm>
         </p:spPr>
       </p:pic>
@@ -8914,7 +8894,7 @@
             </a:r>
             <a:r>
               <a:rPr lang="en-US" dirty="0"/>
-              <a:t>this plot we can conclude that this cluster has only 1 </a:t>
+              <a:t>this plot we can conclude that block/locality of this cluster which is of small size ranging from 463 to 469 only contains one type of </a:t>
             </a:r>
             <a:r>
               <a:rPr lang="en-US" dirty="0" err="1"/>
@@ -8922,7 +8902,7 @@
             </a:r>
             <a:r>
               <a:rPr lang="en-US" dirty="0"/>
-              <a:t> which is represented by 20500 and 1 type of brand represented by 42000</a:t>
+              <a:t> which is represented by 20500 in numerical format</a:t>
             </a:r>
             <a:endParaRPr lang="en-IN" dirty="0"/>
           </a:p>
@@ -8931,7 +8911,7 @@
     </p:spTree>
     <p:extLst>
       <p:ext uri="{BB962C8B-B14F-4D97-AF65-F5344CB8AC3E}">
-        <p14:creationId xmlns:p14="http://schemas.microsoft.com/office/powerpoint/2010/main" val="1259941257"/>
+        <p14:creationId xmlns:p14="http://schemas.microsoft.com/office/powerpoint/2010/main" val="1130117880"/>
       </p:ext>
     </p:extLst>
   </p:cSld>
@@ -8975,90 +8955,58 @@
             <p:ph type="title"/>
           </p:nvPr>
         </p:nvSpPr>
-        <p:spPr/>
+        <p:spPr>
+          <a:xfrm>
+            <a:off x="3339901" y="366533"/>
+            <a:ext cx="6177588" cy="818324"/>
+          </a:xfrm>
+        </p:spPr>
         <p:txBody>
           <a:bodyPr/>
           <a:lstStyle/>
           <a:p>
-            <a:r>
-              <a:rPr lang="en-IN" dirty="0" smtClean="0"/>
-              <a:t>Problem Statement</a:t>
+            <a:pPr algn="ctr"/>
+            <a:r>
+              <a:rPr lang="en-IN" smtClean="0"/>
+              <a:t>Flowchart</a:t>
             </a:r>
             <a:endParaRPr lang="en-IN" dirty="0"/>
           </a:p>
         </p:txBody>
       </p:sp>
-      <p:sp>
-        <p:nvSpPr>
-          <p:cNvPr id="3" name="Content Placeholder 2"/>
-          <p:cNvSpPr>
-            <a:spLocks noGrp="1"/>
-          </p:cNvSpPr>
+      <p:pic>
+        <p:nvPicPr>
+          <p:cNvPr id="4" name="Content Placeholder 3"/>
+          <p:cNvPicPr>
+            <a:picLocks noGrp="1" noChangeAspect="1"/>
+          </p:cNvPicPr>
           <p:nvPr>
             <p:ph idx="1"/>
           </p:nvPr>
-        </p:nvSpPr>
-        <p:spPr/>
-        <p:txBody>
-          <a:bodyPr/>
-          <a:lstStyle/>
-          <a:p>
-            <a:r>
-              <a:rPr lang="en-US" dirty="0"/>
-              <a:t>You will be given POI (Point of Interest) data from OSM (</a:t>
-            </a:r>
-            <a:r>
-              <a:rPr lang="en-US" dirty="0" err="1"/>
-              <a:t>openstreetmaps</a:t>
-            </a:r>
-            <a:r>
-              <a:rPr lang="en-US" dirty="0"/>
-              <a:t>). </a:t>
-            </a:r>
-            <a:endParaRPr lang="en-US" dirty="0" smtClean="0"/>
-          </a:p>
-          <a:p>
-            <a:r>
-              <a:rPr lang="en-US" dirty="0" smtClean="0"/>
-              <a:t>These </a:t>
-            </a:r>
-            <a:r>
-              <a:rPr lang="en-US" dirty="0"/>
-              <a:t>POIs will include locations ranging from grocery stores, shopping malls to car dealerships within the city. </a:t>
-            </a:r>
-            <a:endParaRPr lang="en-US" dirty="0" smtClean="0"/>
-          </a:p>
-          <a:p>
-            <a:r>
-              <a:rPr lang="en-US" dirty="0" smtClean="0"/>
-              <a:t>You </a:t>
-            </a:r>
-            <a:r>
-              <a:rPr lang="en-US" dirty="0"/>
-              <a:t>may also enrich your POI (point of interest, meaning, what type of place- showroom/ building/ outlet/ shop etc.) data using any location data available on the web (that you can extract/scrape</a:t>
-            </a:r>
-            <a:r>
-              <a:rPr lang="en-US" dirty="0" smtClean="0"/>
-              <a:t>).</a:t>
-            </a:r>
-          </a:p>
-          <a:p>
-            <a:r>
-              <a:rPr lang="en-US" dirty="0" smtClean="0"/>
-              <a:t> </a:t>
-            </a:r>
-            <a:r>
-              <a:rPr lang="en-US" dirty="0"/>
-              <a:t>Your goal is to divide the city geographically into various blocks/localities. Next you are supposed to create clusters of similar localities and characterize each cluster so that these clusters are human interpretable.</a:t>
-            </a:r>
-            <a:endParaRPr lang="en-IN" dirty="0"/>
-          </a:p>
-        </p:txBody>
-      </p:sp>
+        </p:nvPicPr>
+        <p:blipFill>
+          <a:blip r:embed="rId2">
+            <a:extLst>
+              <a:ext uri="{28A0092B-C50C-407E-A947-70E740481C1C}">
+                <a14:useLocalDpi xmlns:a14="http://schemas.microsoft.com/office/drawing/2010/main" val="0"/>
+              </a:ext>
+            </a:extLst>
+          </a:blip>
+          <a:stretch>
+            <a:fillRect/>
+          </a:stretch>
+        </p:blipFill>
+        <p:spPr>
+          <a:xfrm>
+            <a:off x="2283835" y="1275009"/>
+            <a:ext cx="9217654" cy="5009881"/>
+          </a:xfrm>
+        </p:spPr>
+      </p:pic>
     </p:spTree>
     <p:extLst>
       <p:ext uri="{BB962C8B-B14F-4D97-AF65-F5344CB8AC3E}">
-        <p14:creationId xmlns:p14="http://schemas.microsoft.com/office/powerpoint/2010/main" val="1416408500"/>
+        <p14:creationId xmlns:p14="http://schemas.microsoft.com/office/powerpoint/2010/main" val="2193820273"/>
       </p:ext>
     </p:extLst>
   </p:cSld>
@@ -9113,7 +9061,7 @@
             </a:r>
             <a:r>
               <a:rPr lang="en-IN" dirty="0" smtClean="0"/>
-              <a:t>8</a:t>
+              <a:t>7</a:t>
             </a:r>
             <a:endParaRPr lang="en-IN" dirty="0"/>
           </a:p>
@@ -9169,7 +9117,15 @@
             </a:r>
             <a:r>
               <a:rPr lang="en-US" dirty="0"/>
-              <a:t>this plot we can conclude that block/locality of this cluster does not contains any brand from range 150 to almost 400.</a:t>
+              <a:t>this plot we can conclude that this cluster has only 1 </a:t>
+            </a:r>
+            <a:r>
+              <a:rPr lang="en-US" dirty="0" err="1"/>
+              <a:t>poi_type</a:t>
+            </a:r>
+            <a:r>
+              <a:rPr lang="en-US" dirty="0"/>
+              <a:t> which is represented by 20500 and 1 type of brand represented by 42000</a:t>
             </a:r>
             <a:endParaRPr lang="en-IN" dirty="0"/>
           </a:p>
@@ -9178,7 +9134,7 @@
     </p:spTree>
     <p:extLst>
       <p:ext uri="{BB962C8B-B14F-4D97-AF65-F5344CB8AC3E}">
-        <p14:creationId xmlns:p14="http://schemas.microsoft.com/office/powerpoint/2010/main" val="1558355250"/>
+        <p14:creationId xmlns:p14="http://schemas.microsoft.com/office/powerpoint/2010/main" val="1259941257"/>
       </p:ext>
     </p:extLst>
   </p:cSld>
@@ -9233,7 +9189,7 @@
             </a:r>
             <a:r>
               <a:rPr lang="en-IN" dirty="0" smtClean="0"/>
-              <a:t>9</a:t>
+              <a:t>8</a:t>
             </a:r>
             <a:endParaRPr lang="en-IN" dirty="0"/>
           </a:p>
@@ -9264,7 +9220,7 @@
         <p:spPr>
           <a:xfrm>
             <a:off x="2589213" y="2126222"/>
-            <a:ext cx="4313237" cy="3777621"/>
+            <a:ext cx="4313237" cy="3777622"/>
           </a:xfrm>
         </p:spPr>
       </p:pic>
@@ -9289,7 +9245,7 @@
             </a:r>
             <a:r>
               <a:rPr lang="en-US" dirty="0"/>
-              <a:t>this plot we can conclude that block/locality of this cluster does not contains any brand from range 150 to around 200 and 210 to 350. And locality that do contain brand has only 1 type of brand represented by 42000</a:t>
+              <a:t>this plot we can conclude that block/locality of this cluster does not contains any brand from range 150 to almost 400.</a:t>
             </a:r>
             <a:endParaRPr lang="en-IN" dirty="0"/>
           </a:p>
@@ -9298,7 +9254,7 @@
     </p:spTree>
     <p:extLst>
       <p:ext uri="{BB962C8B-B14F-4D97-AF65-F5344CB8AC3E}">
-        <p14:creationId xmlns:p14="http://schemas.microsoft.com/office/powerpoint/2010/main" val="249460499"/>
+        <p14:creationId xmlns:p14="http://schemas.microsoft.com/office/powerpoint/2010/main" val="1558355250"/>
       </p:ext>
     </p:extLst>
   </p:cSld>
@@ -9348,6 +9304,126 @@
           <a:lstStyle/>
           <a:p>
             <a:r>
+              <a:rPr lang="en-IN" dirty="0"/>
+              <a:t>Cluster </a:t>
+            </a:r>
+            <a:r>
+              <a:rPr lang="en-IN" dirty="0" smtClean="0"/>
+              <a:t>9</a:t>
+            </a:r>
+            <a:endParaRPr lang="en-IN" dirty="0"/>
+          </a:p>
+        </p:txBody>
+      </p:sp>
+      <p:pic>
+        <p:nvPicPr>
+          <p:cNvPr id="5" name="Content Placeholder 4"/>
+          <p:cNvPicPr>
+            <a:picLocks noGrp="1" noChangeAspect="1"/>
+          </p:cNvPicPr>
+          <p:nvPr>
+            <p:ph sz="half" idx="1"/>
+          </p:nvPr>
+        </p:nvPicPr>
+        <p:blipFill>
+          <a:blip r:embed="rId2">
+            <a:extLst>
+              <a:ext uri="{28A0092B-C50C-407E-A947-70E740481C1C}">
+                <a14:useLocalDpi xmlns:a14="http://schemas.microsoft.com/office/drawing/2010/main" val="0"/>
+              </a:ext>
+            </a:extLst>
+          </a:blip>
+          <a:stretch>
+            <a:fillRect/>
+          </a:stretch>
+        </p:blipFill>
+        <p:spPr>
+          <a:xfrm>
+            <a:off x="2589213" y="2126222"/>
+            <a:ext cx="4313237" cy="3777621"/>
+          </a:xfrm>
+        </p:spPr>
+      </p:pic>
+      <p:sp>
+        <p:nvSpPr>
+          <p:cNvPr id="4" name="Content Placeholder 3"/>
+          <p:cNvSpPr>
+            <a:spLocks noGrp="1"/>
+          </p:cNvSpPr>
+          <p:nvPr>
+            <p:ph sz="half" idx="2"/>
+          </p:nvPr>
+        </p:nvSpPr>
+        <p:spPr/>
+        <p:txBody>
+          <a:bodyPr/>
+          <a:lstStyle/>
+          <a:p>
+            <a:r>
+              <a:rPr lang="en-US" dirty="0" smtClean="0"/>
+              <a:t>From </a:t>
+            </a:r>
+            <a:r>
+              <a:rPr lang="en-US" dirty="0"/>
+              <a:t>this plot we can conclude that block/locality of this cluster does not contains any brand from range 150 to around 200 and 210 to 350. And locality that do contain brand has only 1 type of brand represented by 42000</a:t>
+            </a:r>
+            <a:endParaRPr lang="en-IN" dirty="0"/>
+          </a:p>
+        </p:txBody>
+      </p:sp>
+    </p:spTree>
+    <p:extLst>
+      <p:ext uri="{BB962C8B-B14F-4D97-AF65-F5344CB8AC3E}">
+        <p14:creationId xmlns:p14="http://schemas.microsoft.com/office/powerpoint/2010/main" val="249460499"/>
+      </p:ext>
+    </p:extLst>
+  </p:cSld>
+  <p:clrMapOvr>
+    <a:masterClrMapping/>
+  </p:clrMapOvr>
+  <p:timing>
+    <p:tnLst>
+      <p:par>
+        <p:cTn id="1" dur="indefinite" restart="never" nodeType="tmRoot"/>
+      </p:par>
+    </p:tnLst>
+  </p:timing>
+</p:sld>
+</file>
+
+<file path=ppt/slides/slide23.xml><?xml version="1.0" encoding="utf-8"?>
+<p:sld xmlns:a="http://schemas.openxmlformats.org/drawingml/2006/main" xmlns:r="http://schemas.openxmlformats.org/officeDocument/2006/relationships" xmlns:p="http://schemas.openxmlformats.org/presentationml/2006/main">
+  <p:cSld>
+    <p:spTree>
+      <p:nvGrpSpPr>
+        <p:cNvPr id="1" name=""/>
+        <p:cNvGrpSpPr/>
+        <p:nvPr/>
+      </p:nvGrpSpPr>
+      <p:grpSpPr>
+        <a:xfrm>
+          <a:off x="0" y="0"/>
+          <a:ext cx="0" cy="0"/>
+          <a:chOff x="0" y="0"/>
+          <a:chExt cx="0" cy="0"/>
+        </a:xfrm>
+      </p:grpSpPr>
+      <p:sp>
+        <p:nvSpPr>
+          <p:cNvPr id="2" name="Title 1"/>
+          <p:cNvSpPr>
+            <a:spLocks noGrp="1"/>
+          </p:cNvSpPr>
+          <p:nvPr>
+            <p:ph type="title"/>
+          </p:nvPr>
+        </p:nvSpPr>
+        <p:spPr/>
+        <p:txBody>
+          <a:bodyPr/>
+          <a:lstStyle/>
+          <a:p>
+            <a:r>
               <a:rPr lang="en-IN" dirty="0" smtClean="0"/>
               <a:t>Summary</a:t>
             </a:r>
@@ -9440,10 +9516,17 @@
   <p:clrMapOvr>
     <a:masterClrMapping/>
   </p:clrMapOvr>
+  <p:timing>
+    <p:tnLst>
+      <p:par>
+        <p:cTn id="1" dur="indefinite" restart="never" nodeType="tmRoot"/>
+      </p:par>
+    </p:tnLst>
+  </p:timing>
 </p:sld>
 </file>
 
-<file path=ppt/slides/slide23.xml><?xml version="1.0" encoding="utf-8"?>
+<file path=ppt/slides/slide24.xml><?xml version="1.0" encoding="utf-8"?>
 <p:sld xmlns:a="http://schemas.openxmlformats.org/drawingml/2006/main" xmlns:r="http://schemas.openxmlformats.org/officeDocument/2006/relationships" xmlns:p="http://schemas.openxmlformats.org/presentationml/2006/main">
   <p:cSld>
     <p:spTree>
@@ -9543,6 +9626,133 @@
           <a:p>
             <a:r>
               <a:rPr lang="en-IN" dirty="0" smtClean="0"/>
+              <a:t>Problem Statement</a:t>
+            </a:r>
+            <a:endParaRPr lang="en-IN" dirty="0"/>
+          </a:p>
+        </p:txBody>
+      </p:sp>
+      <p:sp>
+        <p:nvSpPr>
+          <p:cNvPr id="3" name="Content Placeholder 2"/>
+          <p:cNvSpPr>
+            <a:spLocks noGrp="1"/>
+          </p:cNvSpPr>
+          <p:nvPr>
+            <p:ph idx="1"/>
+          </p:nvPr>
+        </p:nvSpPr>
+        <p:spPr/>
+        <p:txBody>
+          <a:bodyPr/>
+          <a:lstStyle/>
+          <a:p>
+            <a:r>
+              <a:rPr lang="en-US" dirty="0"/>
+              <a:t>You will be given POI (Point of Interest) data from OSM (</a:t>
+            </a:r>
+            <a:r>
+              <a:rPr lang="en-US" dirty="0" err="1"/>
+              <a:t>openstreetmaps</a:t>
+            </a:r>
+            <a:r>
+              <a:rPr lang="en-US" dirty="0"/>
+              <a:t>). </a:t>
+            </a:r>
+            <a:endParaRPr lang="en-US" dirty="0" smtClean="0"/>
+          </a:p>
+          <a:p>
+            <a:r>
+              <a:rPr lang="en-US" dirty="0" smtClean="0"/>
+              <a:t>These </a:t>
+            </a:r>
+            <a:r>
+              <a:rPr lang="en-US" dirty="0"/>
+              <a:t>POIs will include locations ranging from grocery stores, shopping malls to car dealerships within the city. </a:t>
+            </a:r>
+            <a:endParaRPr lang="en-US" dirty="0" smtClean="0"/>
+          </a:p>
+          <a:p>
+            <a:r>
+              <a:rPr lang="en-US" dirty="0" smtClean="0"/>
+              <a:t>You </a:t>
+            </a:r>
+            <a:r>
+              <a:rPr lang="en-US" dirty="0"/>
+              <a:t>may also enrich your POI (point of interest, meaning, what type of place- showroom/ building/ outlet/ shop etc.) data using any location data available on the web (that you can extract/scrape</a:t>
+            </a:r>
+            <a:r>
+              <a:rPr lang="en-US" dirty="0" smtClean="0"/>
+              <a:t>).</a:t>
+            </a:r>
+          </a:p>
+          <a:p>
+            <a:r>
+              <a:rPr lang="en-US" dirty="0" smtClean="0"/>
+              <a:t> </a:t>
+            </a:r>
+            <a:r>
+              <a:rPr lang="en-US" dirty="0"/>
+              <a:t>Your goal is to divide the city geographically into various blocks/localities. Next you are supposed to create clusters of similar localities and characterize each cluster so that these clusters are human interpretable.</a:t>
+            </a:r>
+            <a:endParaRPr lang="en-IN" dirty="0"/>
+          </a:p>
+        </p:txBody>
+      </p:sp>
+    </p:spTree>
+    <p:extLst>
+      <p:ext uri="{BB962C8B-B14F-4D97-AF65-F5344CB8AC3E}">
+        <p14:creationId xmlns:p14="http://schemas.microsoft.com/office/powerpoint/2010/main" val="1416408500"/>
+      </p:ext>
+    </p:extLst>
+  </p:cSld>
+  <p:clrMapOvr>
+    <a:masterClrMapping/>
+  </p:clrMapOvr>
+  <p:timing>
+    <p:tnLst>
+      <p:par>
+        <p:cTn id="1" dur="indefinite" restart="never" nodeType="tmRoot"/>
+      </p:par>
+    </p:tnLst>
+  </p:timing>
+</p:sld>
+</file>
+
+<file path=ppt/slides/slide4.xml><?xml version="1.0" encoding="utf-8"?>
+<p:sld xmlns:a="http://schemas.openxmlformats.org/drawingml/2006/main" xmlns:r="http://schemas.openxmlformats.org/officeDocument/2006/relationships" xmlns:p="http://schemas.openxmlformats.org/presentationml/2006/main">
+  <p:cSld>
+    <p:spTree>
+      <p:nvGrpSpPr>
+        <p:cNvPr id="1" name=""/>
+        <p:cNvGrpSpPr/>
+        <p:nvPr/>
+      </p:nvGrpSpPr>
+      <p:grpSpPr>
+        <a:xfrm>
+          <a:off x="0" y="0"/>
+          <a:ext cx="0" cy="0"/>
+          <a:chOff x="0" y="0"/>
+          <a:chExt cx="0" cy="0"/>
+        </a:xfrm>
+      </p:grpSpPr>
+      <p:sp>
+        <p:nvSpPr>
+          <p:cNvPr id="2" name="Title 1"/>
+          <p:cNvSpPr>
+            <a:spLocks noGrp="1"/>
+          </p:cNvSpPr>
+          <p:nvPr>
+            <p:ph type="title"/>
+          </p:nvPr>
+        </p:nvSpPr>
+        <p:spPr/>
+        <p:txBody>
+          <a:bodyPr/>
+          <a:lstStyle/>
+          <a:p>
+            <a:r>
+              <a:rPr lang="en-IN" dirty="0" smtClean="0"/>
               <a:t>Data Description</a:t>
             </a:r>
             <a:endParaRPr lang="en-IN" dirty="0"/>
@@ -9796,7 +10006,7 @@
 </p:sld>
 </file>
 
-<file path=ppt/slides/slide4.xml><?xml version="1.0" encoding="utf-8"?>
+<file path=ppt/slides/slide5.xml><?xml version="1.0" encoding="utf-8"?>
 <p:sld xmlns:a="http://schemas.openxmlformats.org/drawingml/2006/main" xmlns:r="http://schemas.openxmlformats.org/officeDocument/2006/relationships" xmlns:p="http://schemas.openxmlformats.org/presentationml/2006/main">
   <p:cSld>
     <p:spTree>
@@ -9914,7 +10124,7 @@
 </p:sld>
 </file>
 
-<file path=ppt/slides/slide5.xml><?xml version="1.0" encoding="utf-8"?>
+<file path=ppt/slides/slide6.xml><?xml version="1.0" encoding="utf-8"?>
 <p:sld xmlns:a="http://schemas.openxmlformats.org/drawingml/2006/main" xmlns:r="http://schemas.openxmlformats.org/officeDocument/2006/relationships" xmlns:p="http://schemas.openxmlformats.org/presentationml/2006/main">
   <p:cSld>
     <p:spTree>
@@ -10040,7 +10250,7 @@
 </p:sld>
 </file>
 
-<file path=ppt/slides/slide6.xml><?xml version="1.0" encoding="utf-8"?>
+<file path=ppt/slides/slide7.xml><?xml version="1.0" encoding="utf-8"?>
 <p:sld xmlns:a="http://schemas.openxmlformats.org/drawingml/2006/main" xmlns:r="http://schemas.openxmlformats.org/officeDocument/2006/relationships" xmlns:p="http://schemas.openxmlformats.org/presentationml/2006/main">
   <p:cSld>
     <p:spTree>
@@ -10158,7 +10368,7 @@
 </p:sld>
 </file>
 
-<file path=ppt/slides/slide7.xml><?xml version="1.0" encoding="utf-8"?>
+<file path=ppt/slides/slide8.xml><?xml version="1.0" encoding="utf-8"?>
 <p:sld xmlns:a="http://schemas.openxmlformats.org/drawingml/2006/main" xmlns:r="http://schemas.openxmlformats.org/officeDocument/2006/relationships" xmlns:p="http://schemas.openxmlformats.org/presentationml/2006/main">
   <p:cSld>
     <p:spTree>
@@ -10293,7 +10503,7 @@
 </p:sld>
 </file>
 
-<file path=ppt/slides/slide8.xml><?xml version="1.0" encoding="utf-8"?>
+<file path=ppt/slides/slide9.xml><?xml version="1.0" encoding="utf-8"?>
 <p:sld xmlns:a="http://schemas.openxmlformats.org/drawingml/2006/main" xmlns:r="http://schemas.openxmlformats.org/officeDocument/2006/relationships" xmlns:p="http://schemas.openxmlformats.org/presentationml/2006/main">
   <p:cSld>
     <p:spTree>
@@ -10412,108 +10622,6 @@
     <p:extLst>
       <p:ext uri="{BB962C8B-B14F-4D97-AF65-F5344CB8AC3E}">
         <p14:creationId xmlns:p14="http://schemas.microsoft.com/office/powerpoint/2010/main" val="2194091370"/>
-      </p:ext>
-    </p:extLst>
-  </p:cSld>
-  <p:clrMapOvr>
-    <a:masterClrMapping/>
-  </p:clrMapOvr>
-  <p:timing>
-    <p:tnLst>
-      <p:par>
-        <p:cTn id="1" dur="indefinite" restart="never" nodeType="tmRoot"/>
-      </p:par>
-    </p:tnLst>
-  </p:timing>
-</p:sld>
-</file>
-
-<file path=ppt/slides/slide9.xml><?xml version="1.0" encoding="utf-8"?>
-<p:sld xmlns:a="http://schemas.openxmlformats.org/drawingml/2006/main" xmlns:r="http://schemas.openxmlformats.org/officeDocument/2006/relationships" xmlns:p="http://schemas.openxmlformats.org/presentationml/2006/main">
-  <p:cSld>
-    <p:spTree>
-      <p:nvGrpSpPr>
-        <p:cNvPr id="1" name=""/>
-        <p:cNvGrpSpPr/>
-        <p:nvPr/>
-      </p:nvGrpSpPr>
-      <p:grpSpPr>
-        <a:xfrm>
-          <a:off x="0" y="0"/>
-          <a:ext cx="0" cy="0"/>
-          <a:chOff x="0" y="0"/>
-          <a:chExt cx="0" cy="0"/>
-        </a:xfrm>
-      </p:grpSpPr>
-      <p:sp>
-        <p:nvSpPr>
-          <p:cNvPr id="2" name="Title 1"/>
-          <p:cNvSpPr>
-            <a:spLocks noGrp="1"/>
-          </p:cNvSpPr>
-          <p:nvPr>
-            <p:ph type="title"/>
-          </p:nvPr>
-        </p:nvSpPr>
-        <p:spPr>
-          <a:xfrm>
-            <a:off x="2270953" y="392290"/>
-            <a:ext cx="8911687" cy="1280890"/>
-          </a:xfrm>
-        </p:spPr>
-        <p:txBody>
-          <a:bodyPr/>
-          <a:lstStyle/>
-          <a:p>
-            <a:r>
-              <a:rPr lang="en-IN" dirty="0" smtClean="0"/>
-              <a:t>Which top 5 brands represents which </a:t>
-            </a:r>
-            <a:r>
-              <a:rPr lang="en-IN" dirty="0" err="1" smtClean="0"/>
-              <a:t>poi_types</a:t>
-            </a:r>
-            <a:r>
-              <a:rPr lang="en-IN" dirty="0" smtClean="0"/>
-              <a:t>?</a:t>
-            </a:r>
-            <a:endParaRPr lang="en-IN" dirty="0"/>
-          </a:p>
-        </p:txBody>
-      </p:sp>
-      <p:pic>
-        <p:nvPicPr>
-          <p:cNvPr id="4" name="Content Placeholder 3"/>
-          <p:cNvPicPr>
-            <a:picLocks noGrp="1" noChangeAspect="1"/>
-          </p:cNvPicPr>
-          <p:nvPr>
-            <p:ph idx="1"/>
-          </p:nvPr>
-        </p:nvPicPr>
-        <p:blipFill>
-          <a:blip r:embed="rId2">
-            <a:extLst>
-              <a:ext uri="{28A0092B-C50C-407E-A947-70E740481C1C}">
-                <a14:useLocalDpi xmlns:a14="http://schemas.microsoft.com/office/drawing/2010/main" val="0"/>
-              </a:ext>
-            </a:extLst>
-          </a:blip>
-          <a:stretch>
-            <a:fillRect/>
-          </a:stretch>
-        </p:blipFill>
-        <p:spPr>
-          <a:xfrm>
-            <a:off x="2678806" y="1673225"/>
-            <a:ext cx="8332631" cy="5184775"/>
-          </a:xfrm>
-        </p:spPr>
-      </p:pic>
-    </p:spTree>
-    <p:extLst>
-      <p:ext uri="{BB962C8B-B14F-4D97-AF65-F5344CB8AC3E}">
-        <p14:creationId xmlns:p14="http://schemas.microsoft.com/office/powerpoint/2010/main" val="547897632"/>
       </p:ext>
     </p:extLst>
   </p:cSld>
